--- a/figs/figs.pptx
+++ b/figs/figs.pptx
@@ -6,6 +6,7 @@
   </p:sldMasterIdLst>
   <p:sldIdLst>
     <p:sldId id="256" r:id="rId2"/>
+    <p:sldId id="257" r:id="rId3"/>
   </p:sldIdLst>
   <p:sldSz cx="12192000" cy="6858000"/>
   <p:notesSz cx="6858000" cy="9144000"/>
@@ -104,6 +105,11 @@
       </a:defRPr>
     </a:lvl9pPr>
   </p:defaultTextStyle>
+  <p:extLst>
+    <p:ext uri="{EFAFB233-063F-42B5-8137-9DF3F51BA10A}">
+      <p15:sldGuideLst xmlns:p15="http://schemas.microsoft.com/office/powerpoint/2012/main"/>
+    </p:ext>
+  </p:extLst>
 </p:presentation>
 </file>
 
@@ -238,7 +244,7 @@
           <a:p>
             <a:fld id="{C16B019C-54CB-4137-BFA7-D04162AE36CC}" type="datetimeFigureOut">
               <a:rPr lang="en-US" smtClean="0"/>
-              <a:t>12/2/2015</a:t>
+              <a:t>12/14/2015</a:t>
             </a:fld>
             <a:endParaRPr lang="en-US"/>
           </a:p>
@@ -408,7 +414,7 @@
           <a:p>
             <a:fld id="{C16B019C-54CB-4137-BFA7-D04162AE36CC}" type="datetimeFigureOut">
               <a:rPr lang="en-US" smtClean="0"/>
-              <a:t>12/2/2015</a:t>
+              <a:t>12/14/2015</a:t>
             </a:fld>
             <a:endParaRPr lang="en-US"/>
           </a:p>
@@ -588,7 +594,7 @@
           <a:p>
             <a:fld id="{C16B019C-54CB-4137-BFA7-D04162AE36CC}" type="datetimeFigureOut">
               <a:rPr lang="en-US" smtClean="0"/>
-              <a:t>12/2/2015</a:t>
+              <a:t>12/14/2015</a:t>
             </a:fld>
             <a:endParaRPr lang="en-US"/>
           </a:p>
@@ -758,7 +764,7 @@
           <a:p>
             <a:fld id="{C16B019C-54CB-4137-BFA7-D04162AE36CC}" type="datetimeFigureOut">
               <a:rPr lang="en-US" smtClean="0"/>
-              <a:t>12/2/2015</a:t>
+              <a:t>12/14/2015</a:t>
             </a:fld>
             <a:endParaRPr lang="en-US"/>
           </a:p>
@@ -1004,7 +1010,7 @@
           <a:p>
             <a:fld id="{C16B019C-54CB-4137-BFA7-D04162AE36CC}" type="datetimeFigureOut">
               <a:rPr lang="en-US" smtClean="0"/>
-              <a:t>12/2/2015</a:t>
+              <a:t>12/14/2015</a:t>
             </a:fld>
             <a:endParaRPr lang="en-US"/>
           </a:p>
@@ -1236,7 +1242,7 @@
           <a:p>
             <a:fld id="{C16B019C-54CB-4137-BFA7-D04162AE36CC}" type="datetimeFigureOut">
               <a:rPr lang="en-US" smtClean="0"/>
-              <a:t>12/2/2015</a:t>
+              <a:t>12/14/2015</a:t>
             </a:fld>
             <a:endParaRPr lang="en-US"/>
           </a:p>
@@ -1603,7 +1609,7 @@
           <a:p>
             <a:fld id="{C16B019C-54CB-4137-BFA7-D04162AE36CC}" type="datetimeFigureOut">
               <a:rPr lang="en-US" smtClean="0"/>
-              <a:t>12/2/2015</a:t>
+              <a:t>12/14/2015</a:t>
             </a:fld>
             <a:endParaRPr lang="en-US"/>
           </a:p>
@@ -1721,7 +1727,7 @@
           <a:p>
             <a:fld id="{C16B019C-54CB-4137-BFA7-D04162AE36CC}" type="datetimeFigureOut">
               <a:rPr lang="en-US" smtClean="0"/>
-              <a:t>12/2/2015</a:t>
+              <a:t>12/14/2015</a:t>
             </a:fld>
             <a:endParaRPr lang="en-US"/>
           </a:p>
@@ -1816,7 +1822,7 @@
           <a:p>
             <a:fld id="{C16B019C-54CB-4137-BFA7-D04162AE36CC}" type="datetimeFigureOut">
               <a:rPr lang="en-US" smtClean="0"/>
-              <a:t>12/2/2015</a:t>
+              <a:t>12/14/2015</a:t>
             </a:fld>
             <a:endParaRPr lang="en-US"/>
           </a:p>
@@ -2093,7 +2099,7 @@
           <a:p>
             <a:fld id="{C16B019C-54CB-4137-BFA7-D04162AE36CC}" type="datetimeFigureOut">
               <a:rPr lang="en-US" smtClean="0"/>
-              <a:t>12/2/2015</a:t>
+              <a:t>12/14/2015</a:t>
             </a:fld>
             <a:endParaRPr lang="en-US"/>
           </a:p>
@@ -2346,7 +2352,7 @@
           <a:p>
             <a:fld id="{C16B019C-54CB-4137-BFA7-D04162AE36CC}" type="datetimeFigureOut">
               <a:rPr lang="en-US" smtClean="0"/>
-              <a:t>12/2/2015</a:t>
+              <a:t>12/14/2015</a:t>
             </a:fld>
             <a:endParaRPr lang="en-US"/>
           </a:p>
@@ -2559,7 +2565,7 @@
           <a:p>
             <a:fld id="{C16B019C-54CB-4137-BFA7-D04162AE36CC}" type="datetimeFigureOut">
               <a:rPr lang="en-US" smtClean="0"/>
-              <a:t>12/2/2015</a:t>
+              <a:t>12/14/2015</a:t>
             </a:fld>
             <a:endParaRPr lang="en-US"/>
           </a:p>
@@ -3060,7 +3066,7 @@
           </p:blipFill>
           <p:spPr bwMode="auto">
             <a:xfrm>
-              <a:off x="6079229" y="1750666"/>
+              <a:off x="6061859" y="1999609"/>
               <a:ext cx="1637714" cy="889520"/>
             </a:xfrm>
             <a:prstGeom prst="rect">
@@ -3086,8 +3092,8 @@
           </p:nvSpPr>
           <p:spPr>
             <a:xfrm>
-              <a:off x="5905898" y="2599807"/>
-              <a:ext cx="2015230" cy="1015663"/>
+              <a:off x="5901016" y="2853067"/>
+              <a:ext cx="2015230" cy="830997"/>
             </a:xfrm>
             <a:prstGeom prst="rect">
               <a:avLst/>
@@ -3102,29 +3108,290 @@
             <a:p>
               <a:pPr algn="ctr"/>
               <a:r>
-                <a:rPr lang="en-US" sz="2000" dirty="0" smtClean="0">
+                <a:rPr lang="en-US" sz="1600" dirty="0" smtClean="0">
                   <a:latin typeface="DejaVu Sans" panose="020B0603030804020204" pitchFamily="34" charset="0"/>
                   <a:ea typeface="DejaVu Sans" panose="020B0603030804020204" pitchFamily="34" charset="0"/>
                   <a:cs typeface="DejaVu Sans" panose="020B0603030804020204" pitchFamily="34" charset="0"/>
                 </a:rPr>
                 <a:t>CHALLENGE 2015</a:t>
               </a:r>
+              <a:r>
+                <a:rPr lang="en-US" sz="1600" dirty="0" smtClean="0">
+                  <a:latin typeface="DejaVu Sans" panose="020B0603030804020204" pitchFamily="34" charset="0"/>
+                  <a:ea typeface="DejaVu Sans" panose="020B0603030804020204" pitchFamily="34" charset="0"/>
+                  <a:cs typeface="DejaVu Sans" panose="020B0603030804020204" pitchFamily="34" charset="0"/>
+                </a:rPr>
+                <a:t/>
+              </a:r>
               <a:br>
-                <a:rPr lang="en-US" sz="2000" dirty="0" smtClean="0">
+                <a:rPr lang="en-US" sz="1600" dirty="0" smtClean="0">
                   <a:latin typeface="DejaVu Sans" panose="020B0603030804020204" pitchFamily="34" charset="0"/>
                   <a:ea typeface="DejaVu Sans" panose="020B0603030804020204" pitchFamily="34" charset="0"/>
                   <a:cs typeface="DejaVu Sans" panose="020B0603030804020204" pitchFamily="34" charset="0"/>
                 </a:rPr>
               </a:br>
               <a:r>
-                <a:rPr lang="en-US" sz="2000" dirty="0" smtClean="0">
+                <a:rPr lang="en-US" sz="1600" dirty="0" smtClean="0">
                   <a:latin typeface="DejaVu Sans" panose="020B0603030804020204" pitchFamily="34" charset="0"/>
                   <a:ea typeface="DejaVu Sans" panose="020B0603030804020204" pitchFamily="34" charset="0"/>
                   <a:cs typeface="DejaVu Sans" panose="020B0603030804020204" pitchFamily="34" charset="0"/>
                 </a:rPr>
-                <a:t>semi-finalist</a:t>
+                <a:t>People’s Choice Award</a:t>
               </a:r>
-              <a:endParaRPr lang="en-US" sz="2000" dirty="0">
+              <a:endParaRPr lang="en-US" sz="1600" dirty="0">
+                <a:latin typeface="DejaVu Sans" panose="020B0603030804020204" pitchFamily="34" charset="0"/>
+                <a:ea typeface="DejaVu Sans" panose="020B0603030804020204" pitchFamily="34" charset="0"/>
+                <a:cs typeface="DejaVu Sans" panose="020B0603030804020204" pitchFamily="34" charset="0"/>
+              </a:endParaRPr>
+            </a:p>
+          </p:txBody>
+        </p:sp>
+      </p:grpSp>
+      <p:sp>
+        <p:nvSpPr>
+          <p:cNvPr id="9" name="ZoneTexte 8"/>
+          <p:cNvSpPr txBox="1"/>
+          <p:nvPr/>
+        </p:nvSpPr>
+        <p:spPr>
+          <a:xfrm rot="1109223">
+            <a:off x="6125904" y="1750674"/>
+            <a:ext cx="2015230" cy="400110"/>
+          </a:xfrm>
+          <a:prstGeom prst="rect">
+            <a:avLst/>
+          </a:prstGeom>
+          <a:noFill/>
+        </p:spPr>
+        <p:txBody>
+          <a:bodyPr wrap="square" rtlCol="0">
+            <a:spAutoFit/>
+          </a:bodyPr>
+          <a:lstStyle/>
+          <a:p>
+            <a:pPr algn="ctr"/>
+            <a:r>
+              <a:rPr lang="en-US" sz="2000" dirty="0" smtClean="0">
+                <a:latin typeface="DejaVu Sans" panose="020B0603030804020204" pitchFamily="34" charset="0"/>
+                <a:ea typeface="DejaVu Sans" panose="020B0603030804020204" pitchFamily="34" charset="0"/>
+                <a:cs typeface="DejaVu Sans" panose="020B0603030804020204" pitchFamily="34" charset="0"/>
+              </a:rPr>
+              <a:t>WINNER</a:t>
+            </a:r>
+            <a:endParaRPr lang="en-US" sz="2000" dirty="0">
+              <a:latin typeface="DejaVu Sans" panose="020B0603030804020204" pitchFamily="34" charset="0"/>
+              <a:ea typeface="DejaVu Sans" panose="020B0603030804020204" pitchFamily="34" charset="0"/>
+              <a:cs typeface="DejaVu Sans" panose="020B0603030804020204" pitchFamily="34" charset="0"/>
+            </a:endParaRPr>
+          </a:p>
+        </p:txBody>
+      </p:sp>
+    </p:spTree>
+    <p:extLst>
+      <p:ext uri="{BB962C8B-B14F-4D97-AF65-F5344CB8AC3E}">
+        <p14:creationId xmlns:p14="http://schemas.microsoft.com/office/powerpoint/2010/main" val="2048185158"/>
+      </p:ext>
+    </p:extLst>
+  </p:cSld>
+  <p:clrMapOvr>
+    <a:masterClrMapping/>
+  </p:clrMapOvr>
+  <p:timing>
+    <p:tnLst>
+      <p:par>
+        <p:cTn id="1" dur="indefinite" restart="never" nodeType="tmRoot"/>
+      </p:par>
+    </p:tnLst>
+  </p:timing>
+</p:sld>
+</file>
+
+<file path=ppt/slides/slide2.xml><?xml version="1.0" encoding="utf-8"?>
+<p:sld xmlns:a="http://schemas.openxmlformats.org/drawingml/2006/main" xmlns:r="http://schemas.openxmlformats.org/officeDocument/2006/relationships" xmlns:p="http://schemas.openxmlformats.org/presentationml/2006/main">
+  <p:cSld>
+    <p:spTree>
+      <p:nvGrpSpPr>
+        <p:cNvPr id="1" name=""/>
+        <p:cNvGrpSpPr/>
+        <p:nvPr/>
+      </p:nvGrpSpPr>
+      <p:grpSpPr>
+        <a:xfrm>
+          <a:off x="0" y="0"/>
+          <a:ext cx="0" cy="0"/>
+          <a:chOff x="0" y="0"/>
+          <a:chExt cx="0" cy="0"/>
+        </a:xfrm>
+      </p:grpSpPr>
+      <p:grpSp>
+        <p:nvGrpSpPr>
+          <p:cNvPr id="8" name="Groupe 7"/>
+          <p:cNvGrpSpPr/>
+          <p:nvPr/>
+        </p:nvGrpSpPr>
+        <p:grpSpPr>
+          <a:xfrm rot="1109223">
+            <a:off x="5497525" y="1258045"/>
+            <a:ext cx="2823099" cy="2823099"/>
+            <a:chOff x="5497525" y="1258045"/>
+            <a:chExt cx="2823099" cy="2823099"/>
+          </a:xfrm>
+        </p:grpSpPr>
+        <p:sp>
+          <p:nvSpPr>
+            <p:cNvPr id="6" name="Étoile à 16 branches 5"/>
+            <p:cNvSpPr/>
+            <p:nvPr/>
+          </p:nvSpPr>
+          <p:spPr>
+            <a:xfrm>
+              <a:off x="5497525" y="1258045"/>
+              <a:ext cx="2823099" cy="2823099"/>
+            </a:xfrm>
+            <a:prstGeom prst="star16">
+              <a:avLst/>
+            </a:prstGeom>
+            <a:solidFill>
+              <a:schemeClr val="accent4">
+                <a:lumMod val="60000"/>
+                <a:lumOff val="40000"/>
+              </a:schemeClr>
+            </a:solidFill>
+            <a:ln>
+              <a:noFill/>
+            </a:ln>
+          </p:spPr>
+          <p:style>
+            <a:lnRef idx="2">
+              <a:schemeClr val="accent1">
+                <a:shade val="50000"/>
+              </a:schemeClr>
+            </a:lnRef>
+            <a:fillRef idx="1">
+              <a:schemeClr val="accent1"/>
+            </a:fillRef>
+            <a:effectRef idx="0">
+              <a:schemeClr val="accent1"/>
+            </a:effectRef>
+            <a:fontRef idx="minor">
+              <a:schemeClr val="lt1"/>
+            </a:fontRef>
+          </p:style>
+          <p:txBody>
+            <a:bodyPr rtlCol="0" anchor="ctr"/>
+            <a:lstStyle/>
+            <a:p>
+              <a:pPr algn="ctr"/>
+              <a:endParaRPr lang="en-US"/>
+            </a:p>
+          </p:txBody>
+        </p:sp>
+        <p:pic>
+          <p:nvPicPr>
+            <p:cNvPr id="1026" name="Picture 2" descr="See original image"/>
+            <p:cNvPicPr>
+              <a:picLocks noChangeAspect="1" noChangeArrowheads="1"/>
+            </p:cNvPicPr>
+            <p:nvPr/>
+          </p:nvPicPr>
+          <p:blipFill>
+            <a:blip r:embed="rId2" cstate="print">
+              <a:clrChange>
+                <a:clrFrom>
+                  <a:srgbClr val="FFFFFF"/>
+                </a:clrFrom>
+                <a:clrTo>
+                  <a:srgbClr val="FFFFFF">
+                    <a:alpha val="0"/>
+                  </a:srgbClr>
+                </a:clrTo>
+              </a:clrChange>
+              <a:extLst>
+                <a:ext uri="{28A0092B-C50C-407E-A947-70E740481C1C}">
+                  <a14:useLocalDpi xmlns:a14="http://schemas.microsoft.com/office/drawing/2010/main" val="0"/>
+                </a:ext>
+              </a:extLst>
+            </a:blip>
+            <a:srcRect/>
+            <a:stretch>
+              <a:fillRect/>
+            </a:stretch>
+          </p:blipFill>
+          <p:spPr bwMode="auto">
+            <a:xfrm>
+              <a:off x="6074353" y="1911589"/>
+              <a:ext cx="1637714" cy="889520"/>
+            </a:xfrm>
+            <a:prstGeom prst="rect">
+              <a:avLst/>
+            </a:prstGeom>
+            <a:noFill/>
+            <a:extLst>
+              <a:ext uri="{909E8E84-426E-40DD-AFC4-6F175D3DCCD1}">
+                <a14:hiddenFill xmlns:a14="http://schemas.microsoft.com/office/drawing/2010/main">
+                  <a:solidFill>
+                    <a:srgbClr val="FFFFFF"/>
+                  </a:solidFill>
+                </a14:hiddenFill>
+              </a:ext>
+            </a:extLst>
+          </p:spPr>
+        </p:pic>
+        <p:sp>
+          <p:nvSpPr>
+            <p:cNvPr id="7" name="ZoneTexte 6"/>
+            <p:cNvSpPr txBox="1"/>
+            <p:nvPr/>
+          </p:nvSpPr>
+          <p:spPr>
+            <a:xfrm>
+              <a:off x="5936063" y="2789776"/>
+              <a:ext cx="2015230" cy="615553"/>
+            </a:xfrm>
+            <a:prstGeom prst="rect">
+              <a:avLst/>
+            </a:prstGeom>
+            <a:noFill/>
+          </p:spPr>
+          <p:txBody>
+            <a:bodyPr wrap="square" rtlCol="0">
+              <a:spAutoFit/>
+            </a:bodyPr>
+            <a:lstStyle/>
+            <a:p>
+              <a:pPr algn="ctr"/>
+              <a:r>
+                <a:rPr lang="en-US" sz="1600" dirty="0" smtClean="0">
+                  <a:latin typeface="DejaVu Sans" panose="020B0603030804020204" pitchFamily="34" charset="0"/>
+                  <a:ea typeface="DejaVu Sans" panose="020B0603030804020204" pitchFamily="34" charset="0"/>
+                  <a:cs typeface="DejaVu Sans" panose="020B0603030804020204" pitchFamily="34" charset="0"/>
+                </a:rPr>
+                <a:t>CHALLENGE 2015</a:t>
+              </a:r>
+              <a:r>
+                <a:rPr lang="en-US" sz="1600" dirty="0" smtClean="0">
+                  <a:latin typeface="DejaVu Sans" panose="020B0603030804020204" pitchFamily="34" charset="0"/>
+                  <a:ea typeface="DejaVu Sans" panose="020B0603030804020204" pitchFamily="34" charset="0"/>
+                  <a:cs typeface="DejaVu Sans" panose="020B0603030804020204" pitchFamily="34" charset="0"/>
+                </a:rPr>
+                <a:t/>
+              </a:r>
+              <a:br>
+                <a:rPr lang="en-US" sz="1600" dirty="0" smtClean="0">
+                  <a:latin typeface="DejaVu Sans" panose="020B0603030804020204" pitchFamily="34" charset="0"/>
+                  <a:ea typeface="DejaVu Sans" panose="020B0603030804020204" pitchFamily="34" charset="0"/>
+                  <a:cs typeface="DejaVu Sans" panose="020B0603030804020204" pitchFamily="34" charset="0"/>
+                </a:rPr>
+              </a:br>
+              <a:r>
+                <a:rPr lang="en-US" dirty="0" smtClean="0">
+                  <a:latin typeface="DejaVu Sans" panose="020B0603030804020204" pitchFamily="34" charset="0"/>
+                  <a:ea typeface="DejaVu Sans" panose="020B0603030804020204" pitchFamily="34" charset="0"/>
+                  <a:cs typeface="DejaVu Sans" panose="020B0603030804020204" pitchFamily="34" charset="0"/>
+                </a:rPr>
+                <a:t>Third Place</a:t>
+              </a:r>
+              <a:endParaRPr lang="en-US" sz="1600" dirty="0">
                 <a:latin typeface="DejaVu Sans" panose="020B0603030804020204" pitchFamily="34" charset="0"/>
                 <a:ea typeface="DejaVu Sans" panose="020B0603030804020204" pitchFamily="34" charset="0"/>
                 <a:cs typeface="DejaVu Sans" panose="020B0603030804020204" pitchFamily="34" charset="0"/>
@@ -3136,13 +3403,20 @@
     </p:spTree>
     <p:extLst>
       <p:ext uri="{BB962C8B-B14F-4D97-AF65-F5344CB8AC3E}">
-        <p14:creationId xmlns:p14="http://schemas.microsoft.com/office/powerpoint/2010/main" val="2048185158"/>
+        <p14:creationId xmlns:p14="http://schemas.microsoft.com/office/powerpoint/2010/main" val="1400001329"/>
       </p:ext>
     </p:extLst>
   </p:cSld>
   <p:clrMapOvr>
     <a:masterClrMapping/>
   </p:clrMapOvr>
+  <p:timing>
+    <p:tnLst>
+      <p:par>
+        <p:cTn id="1" dur="indefinite" restart="never" nodeType="tmRoot"/>
+      </p:par>
+    </p:tnLst>
+  </p:timing>
 </p:sld>
 </file>
 
